--- a/ppt 16-9/0846.主我爱你.pptx
+++ b/ppt 16-9/0846.主我爱你.pptx
@@ -129,7 +129,7 @@
           <p:cNvPr id="2" name="标题 1">
             <a:extLst>
               <a:ext uri="{FF2B5EF4-FFF2-40B4-BE49-F238E27FC236}">
-                <a16:creationId xmlns:a16="http://schemas.microsoft.com/office/drawing/2014/main" id="{D156C720-A8D3-4091-C419-195D8461E68B}"/>
+                <a16:creationId xmlns:a16="http://schemas.microsoft.com/office/drawing/2014/main" id="{2FDD1DEA-AD8B-E6BD-7219-FA00EA9CCE75}"/>
               </a:ext>
             </a:extLst>
           </p:cNvPr>
@@ -166,7 +166,7 @@
           <p:cNvPr id="3" name="副标题 2">
             <a:extLst>
               <a:ext uri="{FF2B5EF4-FFF2-40B4-BE49-F238E27FC236}">
-                <a16:creationId xmlns:a16="http://schemas.microsoft.com/office/drawing/2014/main" id="{47377E88-E4E4-8079-1D7D-85E36DE1EFC4}"/>
+                <a16:creationId xmlns:a16="http://schemas.microsoft.com/office/drawing/2014/main" id="{8737D531-627A-B31C-5E9D-F03C2B7B4885}"/>
               </a:ext>
             </a:extLst>
           </p:cNvPr>
@@ -236,7 +236,7 @@
           <p:cNvPr id="4" name="日期占位符 3">
             <a:extLst>
               <a:ext uri="{FF2B5EF4-FFF2-40B4-BE49-F238E27FC236}">
-                <a16:creationId xmlns:a16="http://schemas.microsoft.com/office/drawing/2014/main" id="{0FB96EC6-450C-FFD8-F2A9-A107614A7F7F}"/>
+                <a16:creationId xmlns:a16="http://schemas.microsoft.com/office/drawing/2014/main" id="{850068D2-1446-A419-6309-1DEEF81CB897}"/>
               </a:ext>
             </a:extLst>
           </p:cNvPr>
@@ -252,7 +252,7 @@
           <a:bodyPr/>
           <a:lstStyle/>
           <a:p>
-            <a:fld id="{8A2AD3F9-1B52-463F-B24E-58FDEB326C46}" type="datetimeFigureOut">
+            <a:fld id="{9AA9337B-AC11-4A8E-BCFA-180D826E2943}" type="datetimeFigureOut">
               <a:rPr lang="zh-CN" altLang="en-US" smtClean="0"/>
               <a:t>2024/3/10</a:t>
             </a:fld>
@@ -265,7 +265,7 @@
           <p:cNvPr id="5" name="页脚占位符 4">
             <a:extLst>
               <a:ext uri="{FF2B5EF4-FFF2-40B4-BE49-F238E27FC236}">
-                <a16:creationId xmlns:a16="http://schemas.microsoft.com/office/drawing/2014/main" id="{2C4E133B-10EC-0535-38CC-6E95EE2703F0}"/>
+                <a16:creationId xmlns:a16="http://schemas.microsoft.com/office/drawing/2014/main" id="{AE4D0C68-67D8-4B65-2646-BE0028DDCCB6}"/>
               </a:ext>
             </a:extLst>
           </p:cNvPr>
@@ -290,7 +290,7 @@
           <p:cNvPr id="6" name="灯片编号占位符 5">
             <a:extLst>
               <a:ext uri="{FF2B5EF4-FFF2-40B4-BE49-F238E27FC236}">
-                <a16:creationId xmlns:a16="http://schemas.microsoft.com/office/drawing/2014/main" id="{62D086C6-529B-72BF-0F16-B0947EBB580C}"/>
+                <a16:creationId xmlns:a16="http://schemas.microsoft.com/office/drawing/2014/main" id="{54C67064-4FD3-3EB5-8BB4-B437378ACF77}"/>
               </a:ext>
             </a:extLst>
           </p:cNvPr>
@@ -306,7 +306,7 @@
           <a:bodyPr/>
           <a:lstStyle/>
           <a:p>
-            <a:fld id="{42FF261B-F6DF-4A83-B9A2-903D681994B9}" type="slidenum">
+            <a:fld id="{01FE3DAE-FE90-4551-9C73-18EE912298F4}" type="slidenum">
               <a:rPr lang="zh-CN" altLang="en-US" smtClean="0"/>
               <a:t>‹#›</a:t>
             </a:fld>
@@ -317,7 +317,7 @@
     </p:spTree>
     <p:extLst>
       <p:ext uri="{BB962C8B-B14F-4D97-AF65-F5344CB8AC3E}">
-        <p14:creationId xmlns:p14="http://schemas.microsoft.com/office/powerpoint/2010/main" val="3064117364"/>
+        <p14:creationId xmlns:p14="http://schemas.microsoft.com/office/powerpoint/2010/main" val="4079003110"/>
       </p:ext>
     </p:extLst>
   </p:cSld>
@@ -349,7 +349,7 @@
           <p:cNvPr id="2" name="标题 1">
             <a:extLst>
               <a:ext uri="{FF2B5EF4-FFF2-40B4-BE49-F238E27FC236}">
-                <a16:creationId xmlns:a16="http://schemas.microsoft.com/office/drawing/2014/main" id="{C241EEFE-A934-FF13-6E49-8E78A92C37F0}"/>
+                <a16:creationId xmlns:a16="http://schemas.microsoft.com/office/drawing/2014/main" id="{3146395E-5BDB-0D76-4BD1-38759B74FC79}"/>
               </a:ext>
             </a:extLst>
           </p:cNvPr>
@@ -377,7 +377,7 @@
           <p:cNvPr id="3" name="竖排文字占位符 2">
             <a:extLst>
               <a:ext uri="{FF2B5EF4-FFF2-40B4-BE49-F238E27FC236}">
-                <a16:creationId xmlns:a16="http://schemas.microsoft.com/office/drawing/2014/main" id="{3B47196C-7452-08C2-FDE6-A0E797B3628B}"/>
+                <a16:creationId xmlns:a16="http://schemas.microsoft.com/office/drawing/2014/main" id="{E44174E1-B8B9-96BA-A25A-796FF74DE03F}"/>
               </a:ext>
             </a:extLst>
           </p:cNvPr>
@@ -434,7 +434,7 @@
           <p:cNvPr id="4" name="日期占位符 3">
             <a:extLst>
               <a:ext uri="{FF2B5EF4-FFF2-40B4-BE49-F238E27FC236}">
-                <a16:creationId xmlns:a16="http://schemas.microsoft.com/office/drawing/2014/main" id="{9CD1254F-A06B-6CD1-9B3D-D8493AA96782}"/>
+                <a16:creationId xmlns:a16="http://schemas.microsoft.com/office/drawing/2014/main" id="{304779DD-4D94-F48A-2A60-312BB328C4FD}"/>
               </a:ext>
             </a:extLst>
           </p:cNvPr>
@@ -450,7 +450,7 @@
           <a:bodyPr/>
           <a:lstStyle/>
           <a:p>
-            <a:fld id="{8A2AD3F9-1B52-463F-B24E-58FDEB326C46}" type="datetimeFigureOut">
+            <a:fld id="{9AA9337B-AC11-4A8E-BCFA-180D826E2943}" type="datetimeFigureOut">
               <a:rPr lang="zh-CN" altLang="en-US" smtClean="0"/>
               <a:t>2024/3/10</a:t>
             </a:fld>
@@ -463,7 +463,7 @@
           <p:cNvPr id="5" name="页脚占位符 4">
             <a:extLst>
               <a:ext uri="{FF2B5EF4-FFF2-40B4-BE49-F238E27FC236}">
-                <a16:creationId xmlns:a16="http://schemas.microsoft.com/office/drawing/2014/main" id="{0AC81425-4EF9-3B59-C65D-0D28734D0B44}"/>
+                <a16:creationId xmlns:a16="http://schemas.microsoft.com/office/drawing/2014/main" id="{2CE9BA7F-713D-8CE4-5CF4-710F77980CAF}"/>
               </a:ext>
             </a:extLst>
           </p:cNvPr>
@@ -488,7 +488,7 @@
           <p:cNvPr id="6" name="灯片编号占位符 5">
             <a:extLst>
               <a:ext uri="{FF2B5EF4-FFF2-40B4-BE49-F238E27FC236}">
-                <a16:creationId xmlns:a16="http://schemas.microsoft.com/office/drawing/2014/main" id="{F74D3BF4-EB2B-4A3A-B765-EB386C64FC9B}"/>
+                <a16:creationId xmlns:a16="http://schemas.microsoft.com/office/drawing/2014/main" id="{23A3F7F3-DA3C-4963-0DFA-14DF05156F41}"/>
               </a:ext>
             </a:extLst>
           </p:cNvPr>
@@ -504,7 +504,7 @@
           <a:bodyPr/>
           <a:lstStyle/>
           <a:p>
-            <a:fld id="{42FF261B-F6DF-4A83-B9A2-903D681994B9}" type="slidenum">
+            <a:fld id="{01FE3DAE-FE90-4551-9C73-18EE912298F4}" type="slidenum">
               <a:rPr lang="zh-CN" altLang="en-US" smtClean="0"/>
               <a:t>‹#›</a:t>
             </a:fld>
@@ -515,7 +515,7 @@
     </p:spTree>
     <p:extLst>
       <p:ext uri="{BB962C8B-B14F-4D97-AF65-F5344CB8AC3E}">
-        <p14:creationId xmlns:p14="http://schemas.microsoft.com/office/powerpoint/2010/main" val="1257432632"/>
+        <p14:creationId xmlns:p14="http://schemas.microsoft.com/office/powerpoint/2010/main" val="2800005231"/>
       </p:ext>
     </p:extLst>
   </p:cSld>
@@ -547,7 +547,7 @@
           <p:cNvPr id="2" name="竖排标题 1">
             <a:extLst>
               <a:ext uri="{FF2B5EF4-FFF2-40B4-BE49-F238E27FC236}">
-                <a16:creationId xmlns:a16="http://schemas.microsoft.com/office/drawing/2014/main" id="{D4129FB5-9285-0FB0-8546-41C023ECC779}"/>
+                <a16:creationId xmlns:a16="http://schemas.microsoft.com/office/drawing/2014/main" id="{AA5B4FCA-2E6C-6039-1373-AB80C5285157}"/>
               </a:ext>
             </a:extLst>
           </p:cNvPr>
@@ -580,7 +580,7 @@
           <p:cNvPr id="3" name="竖排文字占位符 2">
             <a:extLst>
               <a:ext uri="{FF2B5EF4-FFF2-40B4-BE49-F238E27FC236}">
-                <a16:creationId xmlns:a16="http://schemas.microsoft.com/office/drawing/2014/main" id="{B11FDBAB-5BBC-AA4A-FEEB-A0B74F7188AC}"/>
+                <a16:creationId xmlns:a16="http://schemas.microsoft.com/office/drawing/2014/main" id="{E7A13F45-EDEF-6317-98DB-7D1D39722CE0}"/>
               </a:ext>
             </a:extLst>
           </p:cNvPr>
@@ -642,7 +642,7 @@
           <p:cNvPr id="4" name="日期占位符 3">
             <a:extLst>
               <a:ext uri="{FF2B5EF4-FFF2-40B4-BE49-F238E27FC236}">
-                <a16:creationId xmlns:a16="http://schemas.microsoft.com/office/drawing/2014/main" id="{5B974EBA-9149-61C5-0D87-DA681EFB30E8}"/>
+                <a16:creationId xmlns:a16="http://schemas.microsoft.com/office/drawing/2014/main" id="{CED46A47-735D-A932-C653-96CDD98D8A3C}"/>
               </a:ext>
             </a:extLst>
           </p:cNvPr>
@@ -658,7 +658,7 @@
           <a:bodyPr/>
           <a:lstStyle/>
           <a:p>
-            <a:fld id="{8A2AD3F9-1B52-463F-B24E-58FDEB326C46}" type="datetimeFigureOut">
+            <a:fld id="{9AA9337B-AC11-4A8E-BCFA-180D826E2943}" type="datetimeFigureOut">
               <a:rPr lang="zh-CN" altLang="en-US" smtClean="0"/>
               <a:t>2024/3/10</a:t>
             </a:fld>
@@ -671,7 +671,7 @@
           <p:cNvPr id="5" name="页脚占位符 4">
             <a:extLst>
               <a:ext uri="{FF2B5EF4-FFF2-40B4-BE49-F238E27FC236}">
-                <a16:creationId xmlns:a16="http://schemas.microsoft.com/office/drawing/2014/main" id="{3AC7AFBA-6128-2FAD-CFCE-3225F36E6329}"/>
+                <a16:creationId xmlns:a16="http://schemas.microsoft.com/office/drawing/2014/main" id="{072B3288-7EBC-5303-8D1F-DA4C65D3B40F}"/>
               </a:ext>
             </a:extLst>
           </p:cNvPr>
@@ -696,7 +696,7 @@
           <p:cNvPr id="6" name="灯片编号占位符 5">
             <a:extLst>
               <a:ext uri="{FF2B5EF4-FFF2-40B4-BE49-F238E27FC236}">
-                <a16:creationId xmlns:a16="http://schemas.microsoft.com/office/drawing/2014/main" id="{0B8249F1-AA99-4771-4C65-3072351C80C9}"/>
+                <a16:creationId xmlns:a16="http://schemas.microsoft.com/office/drawing/2014/main" id="{191AFCAA-82CA-1ACD-23D5-3E3F08B79D4C}"/>
               </a:ext>
             </a:extLst>
           </p:cNvPr>
@@ -712,7 +712,7 @@
           <a:bodyPr/>
           <a:lstStyle/>
           <a:p>
-            <a:fld id="{42FF261B-F6DF-4A83-B9A2-903D681994B9}" type="slidenum">
+            <a:fld id="{01FE3DAE-FE90-4551-9C73-18EE912298F4}" type="slidenum">
               <a:rPr lang="zh-CN" altLang="en-US" smtClean="0"/>
               <a:t>‹#›</a:t>
             </a:fld>
@@ -723,7 +723,7 @@
     </p:spTree>
     <p:extLst>
       <p:ext uri="{BB962C8B-B14F-4D97-AF65-F5344CB8AC3E}">
-        <p14:creationId xmlns:p14="http://schemas.microsoft.com/office/powerpoint/2010/main" val="1098813808"/>
+        <p14:creationId xmlns:p14="http://schemas.microsoft.com/office/powerpoint/2010/main" val="1558936736"/>
       </p:ext>
     </p:extLst>
   </p:cSld>
@@ -755,7 +755,7 @@
           <p:cNvPr id="2" name="标题 1">
             <a:extLst>
               <a:ext uri="{FF2B5EF4-FFF2-40B4-BE49-F238E27FC236}">
-                <a16:creationId xmlns:a16="http://schemas.microsoft.com/office/drawing/2014/main" id="{082F3817-B5ED-621A-0EBF-11DE204E8C04}"/>
+                <a16:creationId xmlns:a16="http://schemas.microsoft.com/office/drawing/2014/main" id="{555471BE-9109-4E4C-021C-729345680501}"/>
               </a:ext>
             </a:extLst>
           </p:cNvPr>
@@ -783,7 +783,7 @@
           <p:cNvPr id="3" name="内容占位符 2">
             <a:extLst>
               <a:ext uri="{FF2B5EF4-FFF2-40B4-BE49-F238E27FC236}">
-                <a16:creationId xmlns:a16="http://schemas.microsoft.com/office/drawing/2014/main" id="{DB11DC27-D70A-69A3-142C-1DF37D0ACC33}"/>
+                <a16:creationId xmlns:a16="http://schemas.microsoft.com/office/drawing/2014/main" id="{76733519-4CDC-554A-80BE-FD36FFC788E7}"/>
               </a:ext>
             </a:extLst>
           </p:cNvPr>
@@ -840,7 +840,7 @@
           <p:cNvPr id="4" name="日期占位符 3">
             <a:extLst>
               <a:ext uri="{FF2B5EF4-FFF2-40B4-BE49-F238E27FC236}">
-                <a16:creationId xmlns:a16="http://schemas.microsoft.com/office/drawing/2014/main" id="{F1C227D7-0655-90FD-38FA-01BAEC451DF7}"/>
+                <a16:creationId xmlns:a16="http://schemas.microsoft.com/office/drawing/2014/main" id="{28FA9B4D-7DF7-FD35-F590-B8E344CEBD31}"/>
               </a:ext>
             </a:extLst>
           </p:cNvPr>
@@ -856,7 +856,7 @@
           <a:bodyPr/>
           <a:lstStyle/>
           <a:p>
-            <a:fld id="{8A2AD3F9-1B52-463F-B24E-58FDEB326C46}" type="datetimeFigureOut">
+            <a:fld id="{9AA9337B-AC11-4A8E-BCFA-180D826E2943}" type="datetimeFigureOut">
               <a:rPr lang="zh-CN" altLang="en-US" smtClean="0"/>
               <a:t>2024/3/10</a:t>
             </a:fld>
@@ -869,7 +869,7 @@
           <p:cNvPr id="5" name="页脚占位符 4">
             <a:extLst>
               <a:ext uri="{FF2B5EF4-FFF2-40B4-BE49-F238E27FC236}">
-                <a16:creationId xmlns:a16="http://schemas.microsoft.com/office/drawing/2014/main" id="{A0F0CD98-A52A-F7B4-06B7-063A6D876AB7}"/>
+                <a16:creationId xmlns:a16="http://schemas.microsoft.com/office/drawing/2014/main" id="{3CB086F8-72C3-EB59-B623-FD598B0C8552}"/>
               </a:ext>
             </a:extLst>
           </p:cNvPr>
@@ -894,7 +894,7 @@
           <p:cNvPr id="6" name="灯片编号占位符 5">
             <a:extLst>
               <a:ext uri="{FF2B5EF4-FFF2-40B4-BE49-F238E27FC236}">
-                <a16:creationId xmlns:a16="http://schemas.microsoft.com/office/drawing/2014/main" id="{970EF8D7-0FC3-B0B6-AEB1-E9F6D0690D2D}"/>
+                <a16:creationId xmlns:a16="http://schemas.microsoft.com/office/drawing/2014/main" id="{8B077989-D44B-4035-933F-2D68DA6FB4CF}"/>
               </a:ext>
             </a:extLst>
           </p:cNvPr>
@@ -910,7 +910,7 @@
           <a:bodyPr/>
           <a:lstStyle/>
           <a:p>
-            <a:fld id="{42FF261B-F6DF-4A83-B9A2-903D681994B9}" type="slidenum">
+            <a:fld id="{01FE3DAE-FE90-4551-9C73-18EE912298F4}" type="slidenum">
               <a:rPr lang="zh-CN" altLang="en-US" smtClean="0"/>
               <a:t>‹#›</a:t>
             </a:fld>
@@ -921,7 +921,7 @@
     </p:spTree>
     <p:extLst>
       <p:ext uri="{BB962C8B-B14F-4D97-AF65-F5344CB8AC3E}">
-        <p14:creationId xmlns:p14="http://schemas.microsoft.com/office/powerpoint/2010/main" val="1715627674"/>
+        <p14:creationId xmlns:p14="http://schemas.microsoft.com/office/powerpoint/2010/main" val="2434506488"/>
       </p:ext>
     </p:extLst>
   </p:cSld>
@@ -953,7 +953,7 @@
           <p:cNvPr id="2" name="标题 1">
             <a:extLst>
               <a:ext uri="{FF2B5EF4-FFF2-40B4-BE49-F238E27FC236}">
-                <a16:creationId xmlns:a16="http://schemas.microsoft.com/office/drawing/2014/main" id="{3A7A54E5-00C8-D138-3A06-8484DC0C3376}"/>
+                <a16:creationId xmlns:a16="http://schemas.microsoft.com/office/drawing/2014/main" id="{3574DD47-B1E6-AC5C-B39B-291D6E771BE0}"/>
               </a:ext>
             </a:extLst>
           </p:cNvPr>
@@ -990,7 +990,7 @@
           <p:cNvPr id="3" name="文本占位符 2">
             <a:extLst>
               <a:ext uri="{FF2B5EF4-FFF2-40B4-BE49-F238E27FC236}">
-                <a16:creationId xmlns:a16="http://schemas.microsoft.com/office/drawing/2014/main" id="{76355AE5-E21D-4DBC-1ADE-061288AFCC9A}"/>
+                <a16:creationId xmlns:a16="http://schemas.microsoft.com/office/drawing/2014/main" id="{F9BD044E-6AD3-F286-5439-E879411969D2}"/>
               </a:ext>
             </a:extLst>
           </p:cNvPr>
@@ -1115,7 +1115,7 @@
           <p:cNvPr id="4" name="日期占位符 3">
             <a:extLst>
               <a:ext uri="{FF2B5EF4-FFF2-40B4-BE49-F238E27FC236}">
-                <a16:creationId xmlns:a16="http://schemas.microsoft.com/office/drawing/2014/main" id="{6E7880E0-F6DB-6453-BAAD-6C6EE8E446C3}"/>
+                <a16:creationId xmlns:a16="http://schemas.microsoft.com/office/drawing/2014/main" id="{C31FD9B5-6FEE-38ED-2BBE-D4ED26BA09E8}"/>
               </a:ext>
             </a:extLst>
           </p:cNvPr>
@@ -1131,7 +1131,7 @@
           <a:bodyPr/>
           <a:lstStyle/>
           <a:p>
-            <a:fld id="{8A2AD3F9-1B52-463F-B24E-58FDEB326C46}" type="datetimeFigureOut">
+            <a:fld id="{9AA9337B-AC11-4A8E-BCFA-180D826E2943}" type="datetimeFigureOut">
               <a:rPr lang="zh-CN" altLang="en-US" smtClean="0"/>
               <a:t>2024/3/10</a:t>
             </a:fld>
@@ -1144,7 +1144,7 @@
           <p:cNvPr id="5" name="页脚占位符 4">
             <a:extLst>
               <a:ext uri="{FF2B5EF4-FFF2-40B4-BE49-F238E27FC236}">
-                <a16:creationId xmlns:a16="http://schemas.microsoft.com/office/drawing/2014/main" id="{FDE92D38-94A9-1B41-3383-42D7571364E2}"/>
+                <a16:creationId xmlns:a16="http://schemas.microsoft.com/office/drawing/2014/main" id="{0E8F7BCD-0A0B-72F6-0A7E-192840EF71D6}"/>
               </a:ext>
             </a:extLst>
           </p:cNvPr>
@@ -1169,7 +1169,7 @@
           <p:cNvPr id="6" name="灯片编号占位符 5">
             <a:extLst>
               <a:ext uri="{FF2B5EF4-FFF2-40B4-BE49-F238E27FC236}">
-                <a16:creationId xmlns:a16="http://schemas.microsoft.com/office/drawing/2014/main" id="{C1AFF0D8-957F-4132-0621-4A94B7FD521F}"/>
+                <a16:creationId xmlns:a16="http://schemas.microsoft.com/office/drawing/2014/main" id="{D79C0474-047A-CCE6-399D-32084EE156F6}"/>
               </a:ext>
             </a:extLst>
           </p:cNvPr>
@@ -1185,7 +1185,7 @@
           <a:bodyPr/>
           <a:lstStyle/>
           <a:p>
-            <a:fld id="{42FF261B-F6DF-4A83-B9A2-903D681994B9}" type="slidenum">
+            <a:fld id="{01FE3DAE-FE90-4551-9C73-18EE912298F4}" type="slidenum">
               <a:rPr lang="zh-CN" altLang="en-US" smtClean="0"/>
               <a:t>‹#›</a:t>
             </a:fld>
@@ -1196,7 +1196,7 @@
     </p:spTree>
     <p:extLst>
       <p:ext uri="{BB962C8B-B14F-4D97-AF65-F5344CB8AC3E}">
-        <p14:creationId xmlns:p14="http://schemas.microsoft.com/office/powerpoint/2010/main" val="361939200"/>
+        <p14:creationId xmlns:p14="http://schemas.microsoft.com/office/powerpoint/2010/main" val="851708867"/>
       </p:ext>
     </p:extLst>
   </p:cSld>
@@ -1228,7 +1228,7 @@
           <p:cNvPr id="2" name="标题 1">
             <a:extLst>
               <a:ext uri="{FF2B5EF4-FFF2-40B4-BE49-F238E27FC236}">
-                <a16:creationId xmlns:a16="http://schemas.microsoft.com/office/drawing/2014/main" id="{86F2D782-5F8D-A011-4CB1-4010BE45B987}"/>
+                <a16:creationId xmlns:a16="http://schemas.microsoft.com/office/drawing/2014/main" id="{74CF5CD2-A4B8-2FE1-C5D0-87094203B77B}"/>
               </a:ext>
             </a:extLst>
           </p:cNvPr>
@@ -1256,7 +1256,7 @@
           <p:cNvPr id="3" name="内容占位符 2">
             <a:extLst>
               <a:ext uri="{FF2B5EF4-FFF2-40B4-BE49-F238E27FC236}">
-                <a16:creationId xmlns:a16="http://schemas.microsoft.com/office/drawing/2014/main" id="{793E2944-D51C-E5F1-1605-75488A03492A}"/>
+                <a16:creationId xmlns:a16="http://schemas.microsoft.com/office/drawing/2014/main" id="{693F931D-EB20-9493-ADB8-E5FEC824A2DB}"/>
               </a:ext>
             </a:extLst>
           </p:cNvPr>
@@ -1318,7 +1318,7 @@
           <p:cNvPr id="4" name="内容占位符 3">
             <a:extLst>
               <a:ext uri="{FF2B5EF4-FFF2-40B4-BE49-F238E27FC236}">
-                <a16:creationId xmlns:a16="http://schemas.microsoft.com/office/drawing/2014/main" id="{E478E589-FAE0-6302-7982-EDCD19AA4A00}"/>
+                <a16:creationId xmlns:a16="http://schemas.microsoft.com/office/drawing/2014/main" id="{7BB6F4B7-5736-6884-AC24-C731D7B16C7F}"/>
               </a:ext>
             </a:extLst>
           </p:cNvPr>
@@ -1380,7 +1380,7 @@
           <p:cNvPr id="5" name="日期占位符 4">
             <a:extLst>
               <a:ext uri="{FF2B5EF4-FFF2-40B4-BE49-F238E27FC236}">
-                <a16:creationId xmlns:a16="http://schemas.microsoft.com/office/drawing/2014/main" id="{C85241B0-5A3A-402F-D776-4882392AA8A6}"/>
+                <a16:creationId xmlns:a16="http://schemas.microsoft.com/office/drawing/2014/main" id="{5526E35A-8D7D-10DE-8C94-978BD88674EC}"/>
               </a:ext>
             </a:extLst>
           </p:cNvPr>
@@ -1396,7 +1396,7 @@
           <a:bodyPr/>
           <a:lstStyle/>
           <a:p>
-            <a:fld id="{8A2AD3F9-1B52-463F-B24E-58FDEB326C46}" type="datetimeFigureOut">
+            <a:fld id="{9AA9337B-AC11-4A8E-BCFA-180D826E2943}" type="datetimeFigureOut">
               <a:rPr lang="zh-CN" altLang="en-US" smtClean="0"/>
               <a:t>2024/3/10</a:t>
             </a:fld>
@@ -1409,7 +1409,7 @@
           <p:cNvPr id="6" name="页脚占位符 5">
             <a:extLst>
               <a:ext uri="{FF2B5EF4-FFF2-40B4-BE49-F238E27FC236}">
-                <a16:creationId xmlns:a16="http://schemas.microsoft.com/office/drawing/2014/main" id="{647134C8-1D1A-20E7-4CFF-655D86E286C0}"/>
+                <a16:creationId xmlns:a16="http://schemas.microsoft.com/office/drawing/2014/main" id="{F093B2E6-D81E-E070-9710-735847B54AEB}"/>
               </a:ext>
             </a:extLst>
           </p:cNvPr>
@@ -1434,7 +1434,7 @@
           <p:cNvPr id="7" name="灯片编号占位符 6">
             <a:extLst>
               <a:ext uri="{FF2B5EF4-FFF2-40B4-BE49-F238E27FC236}">
-                <a16:creationId xmlns:a16="http://schemas.microsoft.com/office/drawing/2014/main" id="{A3FD7637-D1FF-BFAD-6BCF-C1AFB3A7126A}"/>
+                <a16:creationId xmlns:a16="http://schemas.microsoft.com/office/drawing/2014/main" id="{0A2FE98B-1B34-F6DC-8A8E-E5B8CEC1AD68}"/>
               </a:ext>
             </a:extLst>
           </p:cNvPr>
@@ -1450,7 +1450,7 @@
           <a:bodyPr/>
           <a:lstStyle/>
           <a:p>
-            <a:fld id="{42FF261B-F6DF-4A83-B9A2-903D681994B9}" type="slidenum">
+            <a:fld id="{01FE3DAE-FE90-4551-9C73-18EE912298F4}" type="slidenum">
               <a:rPr lang="zh-CN" altLang="en-US" smtClean="0"/>
               <a:t>‹#›</a:t>
             </a:fld>
@@ -1461,7 +1461,7 @@
     </p:spTree>
     <p:extLst>
       <p:ext uri="{BB962C8B-B14F-4D97-AF65-F5344CB8AC3E}">
-        <p14:creationId xmlns:p14="http://schemas.microsoft.com/office/powerpoint/2010/main" val="3629598648"/>
+        <p14:creationId xmlns:p14="http://schemas.microsoft.com/office/powerpoint/2010/main" val="1996602180"/>
       </p:ext>
     </p:extLst>
   </p:cSld>
@@ -1493,7 +1493,7 @@
           <p:cNvPr id="2" name="标题 1">
             <a:extLst>
               <a:ext uri="{FF2B5EF4-FFF2-40B4-BE49-F238E27FC236}">
-                <a16:creationId xmlns:a16="http://schemas.microsoft.com/office/drawing/2014/main" id="{B002CD61-2952-99D0-C9F5-703FD2D9CB52}"/>
+                <a16:creationId xmlns:a16="http://schemas.microsoft.com/office/drawing/2014/main" id="{5A4A0164-9DC7-FD50-8C45-1735FC254B98}"/>
               </a:ext>
             </a:extLst>
           </p:cNvPr>
@@ -1526,7 +1526,7 @@
           <p:cNvPr id="3" name="文本占位符 2">
             <a:extLst>
               <a:ext uri="{FF2B5EF4-FFF2-40B4-BE49-F238E27FC236}">
-                <a16:creationId xmlns:a16="http://schemas.microsoft.com/office/drawing/2014/main" id="{56DF08EC-6830-507E-3D4F-EA0C003E0C03}"/>
+                <a16:creationId xmlns:a16="http://schemas.microsoft.com/office/drawing/2014/main" id="{CEE2A2D6-0ED5-6816-5BA4-EBD57353F1CA}"/>
               </a:ext>
             </a:extLst>
           </p:cNvPr>
@@ -1597,7 +1597,7 @@
           <p:cNvPr id="4" name="内容占位符 3">
             <a:extLst>
               <a:ext uri="{FF2B5EF4-FFF2-40B4-BE49-F238E27FC236}">
-                <a16:creationId xmlns:a16="http://schemas.microsoft.com/office/drawing/2014/main" id="{145CA526-86D9-CBBA-C64F-88D43AB97A91}"/>
+                <a16:creationId xmlns:a16="http://schemas.microsoft.com/office/drawing/2014/main" id="{FE24BF93-D19E-A098-DCE3-04B00A6D2747}"/>
               </a:ext>
             </a:extLst>
           </p:cNvPr>
@@ -1659,7 +1659,7 @@
           <p:cNvPr id="5" name="文本占位符 4">
             <a:extLst>
               <a:ext uri="{FF2B5EF4-FFF2-40B4-BE49-F238E27FC236}">
-                <a16:creationId xmlns:a16="http://schemas.microsoft.com/office/drawing/2014/main" id="{D9BCC99F-11A1-FD25-EF94-35C497E4851B}"/>
+                <a16:creationId xmlns:a16="http://schemas.microsoft.com/office/drawing/2014/main" id="{A99B9C23-1782-8B5C-71E4-634237A78BA5}"/>
               </a:ext>
             </a:extLst>
           </p:cNvPr>
@@ -1730,7 +1730,7 @@
           <p:cNvPr id="6" name="内容占位符 5">
             <a:extLst>
               <a:ext uri="{FF2B5EF4-FFF2-40B4-BE49-F238E27FC236}">
-                <a16:creationId xmlns:a16="http://schemas.microsoft.com/office/drawing/2014/main" id="{69999C05-AC3A-73C8-148A-36D2925385BA}"/>
+                <a16:creationId xmlns:a16="http://schemas.microsoft.com/office/drawing/2014/main" id="{2F1828A1-DA15-03C5-2A2C-4D5BEFB998E8}"/>
               </a:ext>
             </a:extLst>
           </p:cNvPr>
@@ -1792,7 +1792,7 @@
           <p:cNvPr id="7" name="日期占位符 6">
             <a:extLst>
               <a:ext uri="{FF2B5EF4-FFF2-40B4-BE49-F238E27FC236}">
-                <a16:creationId xmlns:a16="http://schemas.microsoft.com/office/drawing/2014/main" id="{7395B5B1-BCF0-45E2-0ED6-8BA396569AA5}"/>
+                <a16:creationId xmlns:a16="http://schemas.microsoft.com/office/drawing/2014/main" id="{F127484F-66D5-9501-64CE-FFC90AAD2462}"/>
               </a:ext>
             </a:extLst>
           </p:cNvPr>
@@ -1808,7 +1808,7 @@
           <a:bodyPr/>
           <a:lstStyle/>
           <a:p>
-            <a:fld id="{8A2AD3F9-1B52-463F-B24E-58FDEB326C46}" type="datetimeFigureOut">
+            <a:fld id="{9AA9337B-AC11-4A8E-BCFA-180D826E2943}" type="datetimeFigureOut">
               <a:rPr lang="zh-CN" altLang="en-US" smtClean="0"/>
               <a:t>2024/3/10</a:t>
             </a:fld>
@@ -1821,7 +1821,7 @@
           <p:cNvPr id="8" name="页脚占位符 7">
             <a:extLst>
               <a:ext uri="{FF2B5EF4-FFF2-40B4-BE49-F238E27FC236}">
-                <a16:creationId xmlns:a16="http://schemas.microsoft.com/office/drawing/2014/main" id="{82E6345E-FDC2-C4C4-C327-06D73740991D}"/>
+                <a16:creationId xmlns:a16="http://schemas.microsoft.com/office/drawing/2014/main" id="{9C4724DF-5A02-E95C-1E33-EE57982E2DDD}"/>
               </a:ext>
             </a:extLst>
           </p:cNvPr>
@@ -1846,7 +1846,7 @@
           <p:cNvPr id="9" name="灯片编号占位符 8">
             <a:extLst>
               <a:ext uri="{FF2B5EF4-FFF2-40B4-BE49-F238E27FC236}">
-                <a16:creationId xmlns:a16="http://schemas.microsoft.com/office/drawing/2014/main" id="{945F597B-1E07-AD27-025B-E23C5B499398}"/>
+                <a16:creationId xmlns:a16="http://schemas.microsoft.com/office/drawing/2014/main" id="{F0AE15B7-BC8C-5730-91C0-0CB86198843F}"/>
               </a:ext>
             </a:extLst>
           </p:cNvPr>
@@ -1862,7 +1862,7 @@
           <a:bodyPr/>
           <a:lstStyle/>
           <a:p>
-            <a:fld id="{42FF261B-F6DF-4A83-B9A2-903D681994B9}" type="slidenum">
+            <a:fld id="{01FE3DAE-FE90-4551-9C73-18EE912298F4}" type="slidenum">
               <a:rPr lang="zh-CN" altLang="en-US" smtClean="0"/>
               <a:t>‹#›</a:t>
             </a:fld>
@@ -1873,7 +1873,7 @@
     </p:spTree>
     <p:extLst>
       <p:ext uri="{BB962C8B-B14F-4D97-AF65-F5344CB8AC3E}">
-        <p14:creationId xmlns:p14="http://schemas.microsoft.com/office/powerpoint/2010/main" val="3773861901"/>
+        <p14:creationId xmlns:p14="http://schemas.microsoft.com/office/powerpoint/2010/main" val="1263472099"/>
       </p:ext>
     </p:extLst>
   </p:cSld>
@@ -1905,7 +1905,7 @@
           <p:cNvPr id="2" name="标题 1">
             <a:extLst>
               <a:ext uri="{FF2B5EF4-FFF2-40B4-BE49-F238E27FC236}">
-                <a16:creationId xmlns:a16="http://schemas.microsoft.com/office/drawing/2014/main" id="{7C9D196A-5570-74E4-9EDD-E3BFDA0A8D1F}"/>
+                <a16:creationId xmlns:a16="http://schemas.microsoft.com/office/drawing/2014/main" id="{FA30D025-31FA-C898-D190-356311342E72}"/>
               </a:ext>
             </a:extLst>
           </p:cNvPr>
@@ -1933,7 +1933,7 @@
           <p:cNvPr id="3" name="日期占位符 2">
             <a:extLst>
               <a:ext uri="{FF2B5EF4-FFF2-40B4-BE49-F238E27FC236}">
-                <a16:creationId xmlns:a16="http://schemas.microsoft.com/office/drawing/2014/main" id="{72CDB586-CEA7-94FB-A5CD-358AEFEE07A4}"/>
+                <a16:creationId xmlns:a16="http://schemas.microsoft.com/office/drawing/2014/main" id="{F03132B8-6710-7512-A929-B8E25C812A69}"/>
               </a:ext>
             </a:extLst>
           </p:cNvPr>
@@ -1949,7 +1949,7 @@
           <a:bodyPr/>
           <a:lstStyle/>
           <a:p>
-            <a:fld id="{8A2AD3F9-1B52-463F-B24E-58FDEB326C46}" type="datetimeFigureOut">
+            <a:fld id="{9AA9337B-AC11-4A8E-BCFA-180D826E2943}" type="datetimeFigureOut">
               <a:rPr lang="zh-CN" altLang="en-US" smtClean="0"/>
               <a:t>2024/3/10</a:t>
             </a:fld>
@@ -1962,7 +1962,7 @@
           <p:cNvPr id="4" name="页脚占位符 3">
             <a:extLst>
               <a:ext uri="{FF2B5EF4-FFF2-40B4-BE49-F238E27FC236}">
-                <a16:creationId xmlns:a16="http://schemas.microsoft.com/office/drawing/2014/main" id="{165AA6E0-7328-54B0-89CF-F15637F5F517}"/>
+                <a16:creationId xmlns:a16="http://schemas.microsoft.com/office/drawing/2014/main" id="{91200C41-F0B1-47D7-0191-74B24ACDCAF0}"/>
               </a:ext>
             </a:extLst>
           </p:cNvPr>
@@ -1987,7 +1987,7 @@
           <p:cNvPr id="5" name="灯片编号占位符 4">
             <a:extLst>
               <a:ext uri="{FF2B5EF4-FFF2-40B4-BE49-F238E27FC236}">
-                <a16:creationId xmlns:a16="http://schemas.microsoft.com/office/drawing/2014/main" id="{6D667B18-5828-680E-0DE2-91F03D417DBC}"/>
+                <a16:creationId xmlns:a16="http://schemas.microsoft.com/office/drawing/2014/main" id="{CDBA1749-66A4-DD3F-05CC-EC5307DD8E0E}"/>
               </a:ext>
             </a:extLst>
           </p:cNvPr>
@@ -2003,7 +2003,7 @@
           <a:bodyPr/>
           <a:lstStyle/>
           <a:p>
-            <a:fld id="{42FF261B-F6DF-4A83-B9A2-903D681994B9}" type="slidenum">
+            <a:fld id="{01FE3DAE-FE90-4551-9C73-18EE912298F4}" type="slidenum">
               <a:rPr lang="zh-CN" altLang="en-US" smtClean="0"/>
               <a:t>‹#›</a:t>
             </a:fld>
@@ -2014,7 +2014,7 @@
     </p:spTree>
     <p:extLst>
       <p:ext uri="{BB962C8B-B14F-4D97-AF65-F5344CB8AC3E}">
-        <p14:creationId xmlns:p14="http://schemas.microsoft.com/office/powerpoint/2010/main" val="152431427"/>
+        <p14:creationId xmlns:p14="http://schemas.microsoft.com/office/powerpoint/2010/main" val="1363164273"/>
       </p:ext>
     </p:extLst>
   </p:cSld>
@@ -2046,7 +2046,7 @@
           <p:cNvPr id="2" name="日期占位符 1">
             <a:extLst>
               <a:ext uri="{FF2B5EF4-FFF2-40B4-BE49-F238E27FC236}">
-                <a16:creationId xmlns:a16="http://schemas.microsoft.com/office/drawing/2014/main" id="{8E70E825-160C-7929-5CC3-6436D043ECB6}"/>
+                <a16:creationId xmlns:a16="http://schemas.microsoft.com/office/drawing/2014/main" id="{FC78FEAD-A129-2E98-32F3-599F3366B2CC}"/>
               </a:ext>
             </a:extLst>
           </p:cNvPr>
@@ -2062,7 +2062,7 @@
           <a:bodyPr/>
           <a:lstStyle/>
           <a:p>
-            <a:fld id="{8A2AD3F9-1B52-463F-B24E-58FDEB326C46}" type="datetimeFigureOut">
+            <a:fld id="{9AA9337B-AC11-4A8E-BCFA-180D826E2943}" type="datetimeFigureOut">
               <a:rPr lang="zh-CN" altLang="en-US" smtClean="0"/>
               <a:t>2024/3/10</a:t>
             </a:fld>
@@ -2075,7 +2075,7 @@
           <p:cNvPr id="3" name="页脚占位符 2">
             <a:extLst>
               <a:ext uri="{FF2B5EF4-FFF2-40B4-BE49-F238E27FC236}">
-                <a16:creationId xmlns:a16="http://schemas.microsoft.com/office/drawing/2014/main" id="{33D91762-1269-8C6A-E20C-8A189A16AB47}"/>
+                <a16:creationId xmlns:a16="http://schemas.microsoft.com/office/drawing/2014/main" id="{898545F1-7F73-80C0-3567-95C817178743}"/>
               </a:ext>
             </a:extLst>
           </p:cNvPr>
@@ -2100,7 +2100,7 @@
           <p:cNvPr id="4" name="灯片编号占位符 3">
             <a:extLst>
               <a:ext uri="{FF2B5EF4-FFF2-40B4-BE49-F238E27FC236}">
-                <a16:creationId xmlns:a16="http://schemas.microsoft.com/office/drawing/2014/main" id="{8790D8DA-285D-2348-205E-84AEDAE2DC8A}"/>
+                <a16:creationId xmlns:a16="http://schemas.microsoft.com/office/drawing/2014/main" id="{4770FD85-600D-FF89-00BC-8B0109EF0CC4}"/>
               </a:ext>
             </a:extLst>
           </p:cNvPr>
@@ -2116,7 +2116,7 @@
           <a:bodyPr/>
           <a:lstStyle/>
           <a:p>
-            <a:fld id="{42FF261B-F6DF-4A83-B9A2-903D681994B9}" type="slidenum">
+            <a:fld id="{01FE3DAE-FE90-4551-9C73-18EE912298F4}" type="slidenum">
               <a:rPr lang="zh-CN" altLang="en-US" smtClean="0"/>
               <a:t>‹#›</a:t>
             </a:fld>
@@ -2127,7 +2127,7 @@
     </p:spTree>
     <p:extLst>
       <p:ext uri="{BB962C8B-B14F-4D97-AF65-F5344CB8AC3E}">
-        <p14:creationId xmlns:p14="http://schemas.microsoft.com/office/powerpoint/2010/main" val="1944088332"/>
+        <p14:creationId xmlns:p14="http://schemas.microsoft.com/office/powerpoint/2010/main" val="835311532"/>
       </p:ext>
     </p:extLst>
   </p:cSld>
@@ -2159,7 +2159,7 @@
           <p:cNvPr id="2" name="标题 1">
             <a:extLst>
               <a:ext uri="{FF2B5EF4-FFF2-40B4-BE49-F238E27FC236}">
-                <a16:creationId xmlns:a16="http://schemas.microsoft.com/office/drawing/2014/main" id="{51ABD9D3-F2DC-8B05-B72E-ED39ABA7DB8D}"/>
+                <a16:creationId xmlns:a16="http://schemas.microsoft.com/office/drawing/2014/main" id="{14D33100-5653-C45D-9A03-5E6861420E65}"/>
               </a:ext>
             </a:extLst>
           </p:cNvPr>
@@ -2196,7 +2196,7 @@
           <p:cNvPr id="3" name="内容占位符 2">
             <a:extLst>
               <a:ext uri="{FF2B5EF4-FFF2-40B4-BE49-F238E27FC236}">
-                <a16:creationId xmlns:a16="http://schemas.microsoft.com/office/drawing/2014/main" id="{261EEDE0-86C3-574C-2582-10AD0C90D526}"/>
+                <a16:creationId xmlns:a16="http://schemas.microsoft.com/office/drawing/2014/main" id="{54D656B1-82A2-F0D9-5B89-FFD03156F76E}"/>
               </a:ext>
             </a:extLst>
           </p:cNvPr>
@@ -2286,7 +2286,7 @@
           <p:cNvPr id="4" name="文本占位符 3">
             <a:extLst>
               <a:ext uri="{FF2B5EF4-FFF2-40B4-BE49-F238E27FC236}">
-                <a16:creationId xmlns:a16="http://schemas.microsoft.com/office/drawing/2014/main" id="{D0EEA135-1ED6-EEBA-ACE2-ADA0DF600EB1}"/>
+                <a16:creationId xmlns:a16="http://schemas.microsoft.com/office/drawing/2014/main" id="{6778F062-ABA1-CE31-2F22-2533F7AA0FDB}"/>
               </a:ext>
             </a:extLst>
           </p:cNvPr>
@@ -2357,7 +2357,7 @@
           <p:cNvPr id="5" name="日期占位符 4">
             <a:extLst>
               <a:ext uri="{FF2B5EF4-FFF2-40B4-BE49-F238E27FC236}">
-                <a16:creationId xmlns:a16="http://schemas.microsoft.com/office/drawing/2014/main" id="{C5CC27F2-2840-98AE-0579-A2297455A37F}"/>
+                <a16:creationId xmlns:a16="http://schemas.microsoft.com/office/drawing/2014/main" id="{2D5ED6BD-BD78-986B-F5AF-AAAE484B6F8F}"/>
               </a:ext>
             </a:extLst>
           </p:cNvPr>
@@ -2373,7 +2373,7 @@
           <a:bodyPr/>
           <a:lstStyle/>
           <a:p>
-            <a:fld id="{8A2AD3F9-1B52-463F-B24E-58FDEB326C46}" type="datetimeFigureOut">
+            <a:fld id="{9AA9337B-AC11-4A8E-BCFA-180D826E2943}" type="datetimeFigureOut">
               <a:rPr lang="zh-CN" altLang="en-US" smtClean="0"/>
               <a:t>2024/3/10</a:t>
             </a:fld>
@@ -2386,7 +2386,7 @@
           <p:cNvPr id="6" name="页脚占位符 5">
             <a:extLst>
               <a:ext uri="{FF2B5EF4-FFF2-40B4-BE49-F238E27FC236}">
-                <a16:creationId xmlns:a16="http://schemas.microsoft.com/office/drawing/2014/main" id="{4D81E4DB-52A6-3D2A-DD50-15EDE380AF2A}"/>
+                <a16:creationId xmlns:a16="http://schemas.microsoft.com/office/drawing/2014/main" id="{70DF40ED-F2A4-2A29-80D1-3FC709E94833}"/>
               </a:ext>
             </a:extLst>
           </p:cNvPr>
@@ -2411,7 +2411,7 @@
           <p:cNvPr id="7" name="灯片编号占位符 6">
             <a:extLst>
               <a:ext uri="{FF2B5EF4-FFF2-40B4-BE49-F238E27FC236}">
-                <a16:creationId xmlns:a16="http://schemas.microsoft.com/office/drawing/2014/main" id="{183ACDCE-2347-F784-4179-CB2116286C07}"/>
+                <a16:creationId xmlns:a16="http://schemas.microsoft.com/office/drawing/2014/main" id="{B8AF8036-B352-59F1-92F2-4C00BA8F284B}"/>
               </a:ext>
             </a:extLst>
           </p:cNvPr>
@@ -2427,7 +2427,7 @@
           <a:bodyPr/>
           <a:lstStyle/>
           <a:p>
-            <a:fld id="{42FF261B-F6DF-4A83-B9A2-903D681994B9}" type="slidenum">
+            <a:fld id="{01FE3DAE-FE90-4551-9C73-18EE912298F4}" type="slidenum">
               <a:rPr lang="zh-CN" altLang="en-US" smtClean="0"/>
               <a:t>‹#›</a:t>
             </a:fld>
@@ -2438,7 +2438,7 @@
     </p:spTree>
     <p:extLst>
       <p:ext uri="{BB962C8B-B14F-4D97-AF65-F5344CB8AC3E}">
-        <p14:creationId xmlns:p14="http://schemas.microsoft.com/office/powerpoint/2010/main" val="2097268115"/>
+        <p14:creationId xmlns:p14="http://schemas.microsoft.com/office/powerpoint/2010/main" val="940966868"/>
       </p:ext>
     </p:extLst>
   </p:cSld>
@@ -2470,7 +2470,7 @@
           <p:cNvPr id="2" name="标题 1">
             <a:extLst>
               <a:ext uri="{FF2B5EF4-FFF2-40B4-BE49-F238E27FC236}">
-                <a16:creationId xmlns:a16="http://schemas.microsoft.com/office/drawing/2014/main" id="{2685B4A0-5E7E-A395-507A-A24A479C382F}"/>
+                <a16:creationId xmlns:a16="http://schemas.microsoft.com/office/drawing/2014/main" id="{F07C0D1A-9D48-693B-95A0-78D755DFA029}"/>
               </a:ext>
             </a:extLst>
           </p:cNvPr>
@@ -2507,7 +2507,7 @@
           <p:cNvPr id="3" name="图片占位符 2">
             <a:extLst>
               <a:ext uri="{FF2B5EF4-FFF2-40B4-BE49-F238E27FC236}">
-                <a16:creationId xmlns:a16="http://schemas.microsoft.com/office/drawing/2014/main" id="{CE9C3DF6-7D97-95D5-9403-0841DFD28BB5}"/>
+                <a16:creationId xmlns:a16="http://schemas.microsoft.com/office/drawing/2014/main" id="{983B5F52-4A93-B68F-1F9A-8037993AB614}"/>
               </a:ext>
             </a:extLst>
           </p:cNvPr>
@@ -2574,7 +2574,7 @@
           <p:cNvPr id="4" name="文本占位符 3">
             <a:extLst>
               <a:ext uri="{FF2B5EF4-FFF2-40B4-BE49-F238E27FC236}">
-                <a16:creationId xmlns:a16="http://schemas.microsoft.com/office/drawing/2014/main" id="{AE284966-7684-81E3-F944-609E66F1EA34}"/>
+                <a16:creationId xmlns:a16="http://schemas.microsoft.com/office/drawing/2014/main" id="{76E53644-8E4B-7C37-E388-696B3356A650}"/>
               </a:ext>
             </a:extLst>
           </p:cNvPr>
@@ -2645,7 +2645,7 @@
           <p:cNvPr id="5" name="日期占位符 4">
             <a:extLst>
               <a:ext uri="{FF2B5EF4-FFF2-40B4-BE49-F238E27FC236}">
-                <a16:creationId xmlns:a16="http://schemas.microsoft.com/office/drawing/2014/main" id="{1F08AB66-C23F-1D00-E2C4-856CD1BDA7DF}"/>
+                <a16:creationId xmlns:a16="http://schemas.microsoft.com/office/drawing/2014/main" id="{FC628FF7-1AEF-284C-5331-1507D9A41A0D}"/>
               </a:ext>
             </a:extLst>
           </p:cNvPr>
@@ -2661,7 +2661,7 @@
           <a:bodyPr/>
           <a:lstStyle/>
           <a:p>
-            <a:fld id="{8A2AD3F9-1B52-463F-B24E-58FDEB326C46}" type="datetimeFigureOut">
+            <a:fld id="{9AA9337B-AC11-4A8E-BCFA-180D826E2943}" type="datetimeFigureOut">
               <a:rPr lang="zh-CN" altLang="en-US" smtClean="0"/>
               <a:t>2024/3/10</a:t>
             </a:fld>
@@ -2674,7 +2674,7 @@
           <p:cNvPr id="6" name="页脚占位符 5">
             <a:extLst>
               <a:ext uri="{FF2B5EF4-FFF2-40B4-BE49-F238E27FC236}">
-                <a16:creationId xmlns:a16="http://schemas.microsoft.com/office/drawing/2014/main" id="{432075C4-2ECB-BEFA-8B19-288E096E15C2}"/>
+                <a16:creationId xmlns:a16="http://schemas.microsoft.com/office/drawing/2014/main" id="{D62F0CA6-1435-381C-7CDB-7ADC0DE6CCFB}"/>
               </a:ext>
             </a:extLst>
           </p:cNvPr>
@@ -2699,7 +2699,7 @@
           <p:cNvPr id="7" name="灯片编号占位符 6">
             <a:extLst>
               <a:ext uri="{FF2B5EF4-FFF2-40B4-BE49-F238E27FC236}">
-                <a16:creationId xmlns:a16="http://schemas.microsoft.com/office/drawing/2014/main" id="{D52C8B63-1D2E-5887-D5F7-93C47CF1AC7D}"/>
+                <a16:creationId xmlns:a16="http://schemas.microsoft.com/office/drawing/2014/main" id="{EF343569-3A85-92CF-3031-EEFA0EA27B5D}"/>
               </a:ext>
             </a:extLst>
           </p:cNvPr>
@@ -2715,7 +2715,7 @@
           <a:bodyPr/>
           <a:lstStyle/>
           <a:p>
-            <a:fld id="{42FF261B-F6DF-4A83-B9A2-903D681994B9}" type="slidenum">
+            <a:fld id="{01FE3DAE-FE90-4551-9C73-18EE912298F4}" type="slidenum">
               <a:rPr lang="zh-CN" altLang="en-US" smtClean="0"/>
               <a:t>‹#›</a:t>
             </a:fld>
@@ -2726,7 +2726,7 @@
     </p:spTree>
     <p:extLst>
       <p:ext uri="{BB962C8B-B14F-4D97-AF65-F5344CB8AC3E}">
-        <p14:creationId xmlns:p14="http://schemas.microsoft.com/office/powerpoint/2010/main" val="43107061"/>
+        <p14:creationId xmlns:p14="http://schemas.microsoft.com/office/powerpoint/2010/main" val="918562308"/>
       </p:ext>
     </p:extLst>
   </p:cSld>
@@ -2763,7 +2763,7 @@
           <p:cNvPr id="2" name="标题占位符 1">
             <a:extLst>
               <a:ext uri="{FF2B5EF4-FFF2-40B4-BE49-F238E27FC236}">
-                <a16:creationId xmlns:a16="http://schemas.microsoft.com/office/drawing/2014/main" id="{7D615A6A-F4C9-F7B6-FDEF-E987BDDE30AC}"/>
+                <a16:creationId xmlns:a16="http://schemas.microsoft.com/office/drawing/2014/main" id="{1A0AA313-B047-3EA0-7E66-B36D319A116B}"/>
               </a:ext>
             </a:extLst>
           </p:cNvPr>
@@ -2801,7 +2801,7 @@
           <p:cNvPr id="3" name="文本占位符 2">
             <a:extLst>
               <a:ext uri="{FF2B5EF4-FFF2-40B4-BE49-F238E27FC236}">
-                <a16:creationId xmlns:a16="http://schemas.microsoft.com/office/drawing/2014/main" id="{A3A8BBAD-53C8-30D6-B51D-12081B2F5A2B}"/>
+                <a16:creationId xmlns:a16="http://schemas.microsoft.com/office/drawing/2014/main" id="{375D3AAD-2BFA-E0DA-7DC6-C85CE7F4BA6D}"/>
               </a:ext>
             </a:extLst>
           </p:cNvPr>
@@ -2868,7 +2868,7 @@
           <p:cNvPr id="4" name="日期占位符 3">
             <a:extLst>
               <a:ext uri="{FF2B5EF4-FFF2-40B4-BE49-F238E27FC236}">
-                <a16:creationId xmlns:a16="http://schemas.microsoft.com/office/drawing/2014/main" id="{220A4754-BD75-E63C-6406-1CC959B4D3CF}"/>
+                <a16:creationId xmlns:a16="http://schemas.microsoft.com/office/drawing/2014/main" id="{F4B133E8-3DCB-6E7C-B4B0-3A7B525ACA0B}"/>
               </a:ext>
             </a:extLst>
           </p:cNvPr>
@@ -2902,7 +2902,7 @@
             </a:lvl1pPr>
           </a:lstStyle>
           <a:p>
-            <a:fld id="{8A2AD3F9-1B52-463F-B24E-58FDEB326C46}" type="datetimeFigureOut">
+            <a:fld id="{9AA9337B-AC11-4A8E-BCFA-180D826E2943}" type="datetimeFigureOut">
               <a:rPr lang="zh-CN" altLang="en-US" smtClean="0"/>
               <a:t>2024/3/10</a:t>
             </a:fld>
@@ -2915,7 +2915,7 @@
           <p:cNvPr id="5" name="页脚占位符 4">
             <a:extLst>
               <a:ext uri="{FF2B5EF4-FFF2-40B4-BE49-F238E27FC236}">
-                <a16:creationId xmlns:a16="http://schemas.microsoft.com/office/drawing/2014/main" id="{91B591B0-93DE-ADAC-9941-C327EE10F262}"/>
+                <a16:creationId xmlns:a16="http://schemas.microsoft.com/office/drawing/2014/main" id="{044CC36C-C711-94AE-9EFC-92024BBCF425}"/>
               </a:ext>
             </a:extLst>
           </p:cNvPr>
@@ -2958,7 +2958,7 @@
           <p:cNvPr id="6" name="灯片编号占位符 5">
             <a:extLst>
               <a:ext uri="{FF2B5EF4-FFF2-40B4-BE49-F238E27FC236}">
-                <a16:creationId xmlns:a16="http://schemas.microsoft.com/office/drawing/2014/main" id="{DBECF1BF-79EB-AA02-3CA1-B18BFCEFA572}"/>
+                <a16:creationId xmlns:a16="http://schemas.microsoft.com/office/drawing/2014/main" id="{F4A11C75-1005-FC4A-6E47-1B4DA971ED23}"/>
               </a:ext>
             </a:extLst>
           </p:cNvPr>
@@ -2992,7 +2992,7 @@
             </a:lvl1pPr>
           </a:lstStyle>
           <a:p>
-            <a:fld id="{42FF261B-F6DF-4A83-B9A2-903D681994B9}" type="slidenum">
+            <a:fld id="{01FE3DAE-FE90-4551-9C73-18EE912298F4}" type="slidenum">
               <a:rPr lang="zh-CN" altLang="en-US" smtClean="0"/>
               <a:t>‹#›</a:t>
             </a:fld>
@@ -3003,7 +3003,7 @@
     </p:spTree>
     <p:extLst>
       <p:ext uri="{BB962C8B-B14F-4D97-AF65-F5344CB8AC3E}">
-        <p14:creationId xmlns:p14="http://schemas.microsoft.com/office/powerpoint/2010/main" val="877483585"/>
+        <p14:creationId xmlns:p14="http://schemas.microsoft.com/office/powerpoint/2010/main" val="3521545839"/>
       </p:ext>
     </p:extLst>
   </p:cSld>
